--- a/Day 17 Assignment/CLass & Object Presentation.pptx
+++ b/Day 17 Assignment/CLass & Object Presentation.pptx
@@ -6328,7 +6328,7 @@
         </p:spPr>
         <p:txBody>
           <a:bodyPr>
-            <a:normAutofit lnSpcReduction="10000"/>
+            <a:normAutofit fontScale="92500"/>
           </a:bodyPr>
           <a:lstStyle/>
           <a:p>
@@ -6397,10 +6397,36 @@
               <a:buChar char="v"/>
             </a:pPr>
             <a:r>
+              <a:rPr lang="en-IN" cap="none" dirty="0" smtClean="0">
+                <a:latin typeface="Arial Black" panose="020B0A04020102020204" pitchFamily="34" charset="0"/>
+              </a:rPr>
+              <a:t>SYNTAX :</a:t>
+            </a:r>
+          </a:p>
+          <a:p>
+            <a:pPr marL="0" indent="0">
+              <a:buNone/>
+            </a:pPr>
+            <a:r>
               <a:rPr lang="en-IN" cap="none" dirty="0">
                 <a:latin typeface="Arial Black" panose="020B0A04020102020204" pitchFamily="34" charset="0"/>
               </a:rPr>
               <a:t> </a:t>
+            </a:r>
+            <a:r>
+              <a:rPr lang="en-IN" cap="none" dirty="0" smtClean="0">
+                <a:latin typeface="Arial Black" panose="020B0A04020102020204" pitchFamily="34" charset="0"/>
+              </a:rPr>
+              <a:t> </a:t>
+            </a:r>
+            <a:r>
+              <a:rPr lang="en-IN" cap="none" dirty="0">
+                <a:solidFill>
+                  <a:schemeClr val="accent1"/>
+                </a:solidFill>
+                <a:latin typeface="Arial Black" panose="020B0A04020102020204" pitchFamily="34" charset="0"/>
+              </a:rPr>
+              <a:t>c</a:t>
             </a:r>
             <a:r>
               <a:rPr lang="en-IN" cap="none" dirty="0" smtClean="0">
@@ -6409,7 +6435,16 @@
                 </a:solidFill>
                 <a:latin typeface="Arial Black" panose="020B0A04020102020204" pitchFamily="34" charset="0"/>
               </a:rPr>
-              <a:t>Class Employee</a:t>
+              <a:t>lass </a:t>
+            </a:r>
+            <a:r>
+              <a:rPr lang="en-IN" cap="none" dirty="0" smtClean="0">
+                <a:solidFill>
+                  <a:schemeClr val="accent1"/>
+                </a:solidFill>
+                <a:latin typeface="Arial Black" panose="020B0A04020102020204" pitchFamily="34" charset="0"/>
+              </a:rPr>
+              <a:t>Employee</a:t>
             </a:r>
           </a:p>
           <a:p>
@@ -6482,13 +6517,13 @@
           <p:nvPr>
             <p:extLst>
               <p:ext uri="{D42A27DB-BD31-4B8C-83A1-F6EECF244321}">
-                <p14:modId xmlns:p14="http://schemas.microsoft.com/office/powerpoint/2010/main" val="1002710145"/>
+                <p14:modId xmlns:p14="http://schemas.microsoft.com/office/powerpoint/2010/main" val="2370870017"/>
               </p:ext>
             </p:extLst>
           </p:nvPr>
         </p:nvGraphicFramePr>
         <p:xfrm>
-          <a:off x="4282068" y="3600994"/>
+          <a:off x="4282067" y="4276913"/>
           <a:ext cx="1988104" cy="535878"/>
         </p:xfrm>
         <a:graphic>
@@ -6556,13 +6591,13 @@
           <p:nvPr>
             <p:extLst>
               <p:ext uri="{D42A27DB-BD31-4B8C-83A1-F6EECF244321}">
-                <p14:modId xmlns:p14="http://schemas.microsoft.com/office/powerpoint/2010/main" val="4238363809"/>
+                <p14:modId xmlns:p14="http://schemas.microsoft.com/office/powerpoint/2010/main" val="3818915143"/>
               </p:ext>
             </p:extLst>
           </p:nvPr>
         </p:nvGraphicFramePr>
         <p:xfrm>
-          <a:off x="4282068" y="4356245"/>
+          <a:off x="4282067" y="5030656"/>
           <a:ext cx="1988104" cy="978408"/>
         </p:xfrm>
         <a:graphic>
@@ -6667,7 +6702,7 @@
         </p:nvSpPr>
         <p:spPr>
           <a:xfrm>
-            <a:off x="4180114" y="3461657"/>
+            <a:off x="4139651" y="4136872"/>
             <a:ext cx="2272937" cy="2090057"/>
           </a:xfrm>
           <a:prstGeom prst="rect">
@@ -6843,22 +6878,42 @@
               <a:buChar char="q"/>
             </a:pPr>
             <a:r>
+              <a:rPr lang="en-IN" cap="none" dirty="0">
+                <a:latin typeface="Arial Black" panose="020B0A04020102020204" pitchFamily="34" charset="0"/>
+              </a:rPr>
+              <a:t> </a:t>
+            </a:r>
+            <a:r>
+              <a:rPr lang="en-IN" cap="none" dirty="0" smtClean="0">
+                <a:latin typeface="Arial Black" panose="020B0A04020102020204" pitchFamily="34" charset="0"/>
+              </a:rPr>
+              <a:t>SYNTAX :</a:t>
+            </a:r>
+            <a:endParaRPr lang="en-IN" cap="none" dirty="0" smtClean="0">
+              <a:latin typeface="Arial Black" panose="020B0A04020102020204" pitchFamily="34" charset="0"/>
+            </a:endParaRPr>
+          </a:p>
+          <a:p>
+            <a:pPr marL="0" indent="0">
+              <a:buNone/>
+            </a:pPr>
+            <a:r>
+              <a:rPr lang="en-IN" cap="none" dirty="0">
+                <a:solidFill>
+                  <a:schemeClr val="accent1"/>
+                </a:solidFill>
+                <a:latin typeface="Arial Black" panose="020B0A04020102020204" pitchFamily="34" charset="0"/>
+              </a:rPr>
+              <a:t> </a:t>
+            </a:r>
+            <a:r>
               <a:rPr lang="en-IN" cap="none" dirty="0" smtClean="0">
                 <a:solidFill>
                   <a:schemeClr val="accent1"/>
                 </a:solidFill>
                 <a:latin typeface="Arial Black" panose="020B0A04020102020204" pitchFamily="34" charset="0"/>
               </a:rPr>
-              <a:t> Employee </a:t>
-            </a:r>
-            <a:r>
-              <a:rPr lang="en-IN" cap="none" dirty="0" err="1" smtClean="0">
-                <a:solidFill>
-                  <a:schemeClr val="accent1"/>
-                </a:solidFill>
-                <a:latin typeface="Arial Black" panose="020B0A04020102020204" pitchFamily="34" charset="0"/>
-              </a:rPr>
-              <a:t>emp</a:t>
+              <a:t>  Dog</a:t>
             </a:r>
             <a:r>
               <a:rPr lang="en-IN" cap="none" dirty="0" smtClean="0">
@@ -6867,7 +6922,34 @@
                 </a:solidFill>
                 <a:latin typeface="Arial Black" panose="020B0A04020102020204" pitchFamily="34" charset="0"/>
               </a:rPr>
-              <a:t> = new Employee();</a:t>
+              <a:t> d </a:t>
+            </a:r>
+            <a:r>
+              <a:rPr lang="en-IN" cap="none" dirty="0" smtClean="0">
+                <a:solidFill>
+                  <a:schemeClr val="accent1"/>
+                </a:solidFill>
+                <a:latin typeface="Arial Black" panose="020B0A04020102020204" pitchFamily="34" charset="0"/>
+              </a:rPr>
+              <a:t>= new </a:t>
+            </a:r>
+            <a:r>
+              <a:rPr lang="en-IN" cap="none" dirty="0" smtClean="0">
+                <a:solidFill>
+                  <a:schemeClr val="accent1"/>
+                </a:solidFill>
+                <a:latin typeface="Arial Black" panose="020B0A04020102020204" pitchFamily="34" charset="0"/>
+              </a:rPr>
+              <a:t>Dog</a:t>
+            </a:r>
+            <a:r>
+              <a:rPr lang="en-IN" cap="none" dirty="0" smtClean="0">
+                <a:solidFill>
+                  <a:schemeClr val="accent1"/>
+                </a:solidFill>
+                <a:latin typeface="Arial Black" panose="020B0A04020102020204" pitchFamily="34" charset="0"/>
+              </a:rPr>
+              <a:t>();</a:t>
             </a:r>
             <a:endParaRPr lang="en-IN" cap="none" dirty="0" smtClean="0">
               <a:solidFill>
@@ -6999,7 +7081,7 @@
         </p:nvSpPr>
         <p:spPr>
           <a:xfrm>
-            <a:off x="1554480" y="4236720"/>
+            <a:off x="1502228" y="4722221"/>
             <a:ext cx="3043645" cy="1554480"/>
           </a:xfrm>
           <a:prstGeom prst="rect">
@@ -7102,7 +7184,7 @@
         </p:nvSpPr>
         <p:spPr>
           <a:xfrm>
-            <a:off x="5873932" y="4232245"/>
+            <a:off x="5482046" y="4751611"/>
             <a:ext cx="3043645" cy="1554480"/>
           </a:xfrm>
           <a:prstGeom prst="rect">
@@ -7251,7 +7333,7 @@
         </p:nvSpPr>
         <p:spPr>
           <a:xfrm>
-            <a:off x="4219303" y="3246119"/>
+            <a:off x="3927566" y="3627266"/>
             <a:ext cx="2168434" cy="666206"/>
           </a:xfrm>
           <a:prstGeom prst="rect">
